--- a/수업/6. JavaScript (2)/PPT/6. JavaScript (2).pptx
+++ b/수업/6. JavaScript (2)/PPT/6. JavaScript (2).pptx
@@ -288,7 +288,7 @@
           <a:p>
             <a:fld id="{8CF31405-E933-42EA-89E8-41C6E4FA00C6}" type="datetimeFigureOut">
               <a:rPr lang="ko-KR" altLang="en-US" smtClean="0"/>
-              <a:t>2021-10-05</a:t>
+              <a:t>2021-10-07</a:t>
             </a:fld>
             <a:endParaRPr lang="ko-KR" altLang="en-US"/>
           </a:p>
@@ -486,7 +486,7 @@
           <a:p>
             <a:fld id="{8CF31405-E933-42EA-89E8-41C6E4FA00C6}" type="datetimeFigureOut">
               <a:rPr lang="ko-KR" altLang="en-US" smtClean="0"/>
-              <a:t>2021-10-05</a:t>
+              <a:t>2021-10-07</a:t>
             </a:fld>
             <a:endParaRPr lang="ko-KR" altLang="en-US"/>
           </a:p>
@@ -694,7 +694,7 @@
           <a:p>
             <a:fld id="{8CF31405-E933-42EA-89E8-41C6E4FA00C6}" type="datetimeFigureOut">
               <a:rPr lang="ko-KR" altLang="en-US" smtClean="0"/>
-              <a:t>2021-10-05</a:t>
+              <a:t>2021-10-07</a:t>
             </a:fld>
             <a:endParaRPr lang="ko-KR" altLang="en-US"/>
           </a:p>
@@ -892,7 +892,7 @@
           <a:p>
             <a:fld id="{8CF31405-E933-42EA-89E8-41C6E4FA00C6}" type="datetimeFigureOut">
               <a:rPr lang="ko-KR" altLang="en-US" smtClean="0"/>
-              <a:t>2021-10-05</a:t>
+              <a:t>2021-10-07</a:t>
             </a:fld>
             <a:endParaRPr lang="ko-KR" altLang="en-US"/>
           </a:p>
@@ -1167,7 +1167,7 @@
           <a:p>
             <a:fld id="{8CF31405-E933-42EA-89E8-41C6E4FA00C6}" type="datetimeFigureOut">
               <a:rPr lang="ko-KR" altLang="en-US" smtClean="0"/>
-              <a:t>2021-10-05</a:t>
+              <a:t>2021-10-07</a:t>
             </a:fld>
             <a:endParaRPr lang="ko-KR" altLang="en-US"/>
           </a:p>
@@ -1432,7 +1432,7 @@
           <a:p>
             <a:fld id="{8CF31405-E933-42EA-89E8-41C6E4FA00C6}" type="datetimeFigureOut">
               <a:rPr lang="ko-KR" altLang="en-US" smtClean="0"/>
-              <a:t>2021-10-05</a:t>
+              <a:t>2021-10-07</a:t>
             </a:fld>
             <a:endParaRPr lang="ko-KR" altLang="en-US"/>
           </a:p>
@@ -1844,7 +1844,7 @@
           <a:p>
             <a:fld id="{8CF31405-E933-42EA-89E8-41C6E4FA00C6}" type="datetimeFigureOut">
               <a:rPr lang="ko-KR" altLang="en-US" smtClean="0"/>
-              <a:t>2021-10-05</a:t>
+              <a:t>2021-10-07</a:t>
             </a:fld>
             <a:endParaRPr lang="ko-KR" altLang="en-US"/>
           </a:p>
@@ -1985,7 +1985,7 @@
           <a:p>
             <a:fld id="{8CF31405-E933-42EA-89E8-41C6E4FA00C6}" type="datetimeFigureOut">
               <a:rPr lang="ko-KR" altLang="en-US" smtClean="0"/>
-              <a:t>2021-10-05</a:t>
+              <a:t>2021-10-07</a:t>
             </a:fld>
             <a:endParaRPr lang="ko-KR" altLang="en-US"/>
           </a:p>
@@ -2098,7 +2098,7 @@
           <a:p>
             <a:fld id="{8CF31405-E933-42EA-89E8-41C6E4FA00C6}" type="datetimeFigureOut">
               <a:rPr lang="ko-KR" altLang="en-US" smtClean="0"/>
-              <a:t>2021-10-05</a:t>
+              <a:t>2021-10-07</a:t>
             </a:fld>
             <a:endParaRPr lang="ko-KR" altLang="en-US"/>
           </a:p>
@@ -2409,7 +2409,7 @@
           <a:p>
             <a:fld id="{8CF31405-E933-42EA-89E8-41C6E4FA00C6}" type="datetimeFigureOut">
               <a:rPr lang="ko-KR" altLang="en-US" smtClean="0"/>
-              <a:t>2021-10-05</a:t>
+              <a:t>2021-10-07</a:t>
             </a:fld>
             <a:endParaRPr lang="ko-KR" altLang="en-US"/>
           </a:p>
@@ -2697,7 +2697,7 @@
           <a:p>
             <a:fld id="{8CF31405-E933-42EA-89E8-41C6E4FA00C6}" type="datetimeFigureOut">
               <a:rPr lang="ko-KR" altLang="en-US" smtClean="0"/>
-              <a:t>2021-10-05</a:t>
+              <a:t>2021-10-07</a:t>
             </a:fld>
             <a:endParaRPr lang="ko-KR" altLang="en-US"/>
           </a:p>
@@ -2938,7 +2938,7 @@
           <a:p>
             <a:fld id="{8CF31405-E933-42EA-89E8-41C6E4FA00C6}" type="datetimeFigureOut">
               <a:rPr lang="ko-KR" altLang="en-US" smtClean="0"/>
-              <a:t>2021-10-05</a:t>
+              <a:t>2021-10-07</a:t>
             </a:fld>
             <a:endParaRPr lang="ko-KR" altLang="en-US"/>
           </a:p>
@@ -6415,65 +6415,6 @@
           </a:p>
         </p:txBody>
       </p:sp>
-      <p:sp>
-        <p:nvSpPr>
-          <p:cNvPr id="7" name="TextBox 6">
-            <a:extLst>
-              <a:ext uri="{FF2B5EF4-FFF2-40B4-BE49-F238E27FC236}">
-                <a16:creationId xmlns:a16="http://schemas.microsoft.com/office/drawing/2014/main" id="{6CF34107-2D09-4750-8BD6-CD36BA1A91B6}"/>
-              </a:ext>
-            </a:extLst>
-          </p:cNvPr>
-          <p:cNvSpPr txBox="1"/>
-          <p:nvPr/>
-        </p:nvSpPr>
-        <p:spPr>
-          <a:xfrm>
-            <a:off x="8593494" y="5583496"/>
-            <a:ext cx="3661580" cy="646331"/>
-          </a:xfrm>
-          <a:prstGeom prst="rect">
-            <a:avLst/>
-          </a:prstGeom>
-          <a:noFill/>
-        </p:spPr>
-        <p:txBody>
-          <a:bodyPr wrap="none" rtlCol="0">
-            <a:spAutoFit/>
-          </a:bodyPr>
-          <a:lstStyle/>
-          <a:p>
-            <a:r>
-              <a:rPr lang="ko-KR" altLang="en-US"/>
-              <a:t>만약 의도하는 결과를 내고싶으면</a:t>
-            </a:r>
-            <a:endParaRPr lang="en-US" altLang="ko-KR"/>
-          </a:p>
-          <a:p>
-            <a:r>
-              <a:rPr lang="en-US" altLang="ko-KR"/>
-              <a:t>if(a</a:t>
-            </a:r>
-            <a:r>
-              <a:rPr lang="ko-KR" altLang="en-US"/>
-              <a:t> </a:t>
-            </a:r>
-            <a:r>
-              <a:rPr lang="en-US" altLang="ko-KR"/>
-              <a:t>===</a:t>
-            </a:r>
-            <a:r>
-              <a:rPr lang="ko-KR" altLang="en-US"/>
-              <a:t> </a:t>
-            </a:r>
-            <a:r>
-              <a:rPr lang="en-US" altLang="ko-KR"/>
-              <a:t>[ ]) </a:t>
-            </a:r>
-            <a:endParaRPr lang="ko-KR" altLang="en-US"/>
-          </a:p>
-        </p:txBody>
-      </p:sp>
     </p:spTree>
     <p:extLst>
       <p:ext uri="{BB962C8B-B14F-4D97-AF65-F5344CB8AC3E}">
